--- a/cs semina/10_SpyTorch-4.pptx
+++ b/cs semina/10_SpyTorch-4.pptx
@@ -5409,7 +5409,7 @@
         <p:spPr/>
         <p:txBody>
           <a:bodyPr>
-            <a:normAutofit/>
+            <a:normAutofit lnSpcReduction="10000"/>
           </a:bodyPr>
           <a:lstStyle/>
           <a:p>
@@ -5464,6 +5464,31 @@
               </a:rPr>
               <a:t>https://github.com/DevelopLee20/SNN/blob/master/spytorch/notebooks/SpyTorchTutorial1.ipynb</a:t>
             </a:r>
+            <a:endParaRPr lang="en-US" altLang="ko-KR" sz="2400" dirty="0"/>
+          </a:p>
+          <a:p>
+            <a:endParaRPr lang="en-US" altLang="ko-KR" sz="2400" dirty="0"/>
+          </a:p>
+          <a:p>
+            <a:r>
+              <a:rPr lang="ko-KR" altLang="en-US" sz="2400" dirty="0"/>
+              <a:t>해당 코드 참고 파일</a:t>
+            </a:r>
+            <a:br>
+              <a:rPr lang="en-US" altLang="ko-KR" sz="2400" dirty="0"/>
+            </a:br>
+            <a:r>
+              <a:rPr lang="en-US" altLang="ko-KR" sz="2400" dirty="0">
+                <a:hlinkClick r:id="rId4"/>
+              </a:rPr>
+              <a:t>https://github.com/DevelopLee20/SNN/blob/master/jupyters/Surrogate-Tutorial-1-Study.ipynb</a:t>
+            </a:r>
+            <a:endParaRPr lang="en-US" altLang="ko-KR" sz="2400" dirty="0"/>
+          </a:p>
+          <a:p>
+            <a:pPr marL="0" indent="0">
+              <a:buNone/>
+            </a:pPr>
             <a:endParaRPr lang="en-US" altLang="ko-KR" sz="2400" dirty="0"/>
           </a:p>
           <a:p>
